--- a/Logo.pptx
+++ b/Logo.pptx
@@ -7,7 +7,11 @@
   <p:sldIdLst>
     <p:sldId id="256" r:id="rId2"/>
     <p:sldId id="257" r:id="rId3"/>
-    <p:sldId id="258" r:id="rId4"/>
+    <p:sldId id="262" r:id="rId4"/>
+    <p:sldId id="258" r:id="rId5"/>
+    <p:sldId id="259" r:id="rId6"/>
+    <p:sldId id="260" r:id="rId7"/>
+    <p:sldId id="261" r:id="rId8"/>
   </p:sldIdLst>
   <p:sldSz cx="12192000" cy="6858000"/>
   <p:notesSz cx="6858000" cy="9144000"/>
@@ -108,18 +112,7 @@
   </p:defaultTextStyle>
   <p:extLst>
     <p:ext uri="{EFAFB233-063F-42B5-8137-9DF3F51BA10A}">
-      <p15:sldGuideLst xmlns:p15="http://schemas.microsoft.com/office/powerpoint/2012/main">
-        <p15:guide id="1" orient="horz" pos="2160" userDrawn="1">
-          <p15:clr>
-            <a:srgbClr val="A4A3A4"/>
-          </p15:clr>
-        </p15:guide>
-        <p15:guide id="2" pos="3840" userDrawn="1">
-          <p15:clr>
-            <a:srgbClr val="A4A3A4"/>
-          </p15:clr>
-        </p15:guide>
-      </p15:sldGuideLst>
+      <p15:sldGuideLst xmlns:p15="http://schemas.microsoft.com/office/powerpoint/2012/main"/>
     </p:ext>
   </p:extLst>
 </p:presentation>
@@ -272,7 +265,7 @@
           <a:p>
             <a:fld id="{9DC2568B-7673-4D3B-A6F3-930A52AD6EEE}" type="datetimeFigureOut">
               <a:rPr lang="ko-KR" altLang="en-US" smtClean="0"/>
-              <a:t>2024-08-01</a:t>
+              <a:t>2024-08-07</a:t>
             </a:fld>
             <a:endParaRPr lang="ko-KR" altLang="en-US"/>
           </a:p>
@@ -470,7 +463,7 @@
           <a:p>
             <a:fld id="{9DC2568B-7673-4D3B-A6F3-930A52AD6EEE}" type="datetimeFigureOut">
               <a:rPr lang="ko-KR" altLang="en-US" smtClean="0"/>
-              <a:t>2024-08-01</a:t>
+              <a:t>2024-08-07</a:t>
             </a:fld>
             <a:endParaRPr lang="ko-KR" altLang="en-US"/>
           </a:p>
@@ -678,7 +671,7 @@
           <a:p>
             <a:fld id="{9DC2568B-7673-4D3B-A6F3-930A52AD6EEE}" type="datetimeFigureOut">
               <a:rPr lang="ko-KR" altLang="en-US" smtClean="0"/>
-              <a:t>2024-08-01</a:t>
+              <a:t>2024-08-07</a:t>
             </a:fld>
             <a:endParaRPr lang="ko-KR" altLang="en-US"/>
           </a:p>
@@ -876,7 +869,7 @@
           <a:p>
             <a:fld id="{9DC2568B-7673-4D3B-A6F3-930A52AD6EEE}" type="datetimeFigureOut">
               <a:rPr lang="ko-KR" altLang="en-US" smtClean="0"/>
-              <a:t>2024-08-01</a:t>
+              <a:t>2024-08-07</a:t>
             </a:fld>
             <a:endParaRPr lang="ko-KR" altLang="en-US"/>
           </a:p>
@@ -1151,7 +1144,7 @@
           <a:p>
             <a:fld id="{9DC2568B-7673-4D3B-A6F3-930A52AD6EEE}" type="datetimeFigureOut">
               <a:rPr lang="ko-KR" altLang="en-US" smtClean="0"/>
-              <a:t>2024-08-01</a:t>
+              <a:t>2024-08-07</a:t>
             </a:fld>
             <a:endParaRPr lang="ko-KR" altLang="en-US"/>
           </a:p>
@@ -1416,7 +1409,7 @@
           <a:p>
             <a:fld id="{9DC2568B-7673-4D3B-A6F3-930A52AD6EEE}" type="datetimeFigureOut">
               <a:rPr lang="ko-KR" altLang="en-US" smtClean="0"/>
-              <a:t>2024-08-01</a:t>
+              <a:t>2024-08-07</a:t>
             </a:fld>
             <a:endParaRPr lang="ko-KR" altLang="en-US"/>
           </a:p>
@@ -1828,7 +1821,7 @@
           <a:p>
             <a:fld id="{9DC2568B-7673-4D3B-A6F3-930A52AD6EEE}" type="datetimeFigureOut">
               <a:rPr lang="ko-KR" altLang="en-US" smtClean="0"/>
-              <a:t>2024-08-01</a:t>
+              <a:t>2024-08-07</a:t>
             </a:fld>
             <a:endParaRPr lang="ko-KR" altLang="en-US"/>
           </a:p>
@@ -1969,7 +1962,7 @@
           <a:p>
             <a:fld id="{9DC2568B-7673-4D3B-A6F3-930A52AD6EEE}" type="datetimeFigureOut">
               <a:rPr lang="ko-KR" altLang="en-US" smtClean="0"/>
-              <a:t>2024-08-01</a:t>
+              <a:t>2024-08-07</a:t>
             </a:fld>
             <a:endParaRPr lang="ko-KR" altLang="en-US"/>
           </a:p>
@@ -2082,7 +2075,7 @@
           <a:p>
             <a:fld id="{9DC2568B-7673-4D3B-A6F3-930A52AD6EEE}" type="datetimeFigureOut">
               <a:rPr lang="ko-KR" altLang="en-US" smtClean="0"/>
-              <a:t>2024-08-01</a:t>
+              <a:t>2024-08-07</a:t>
             </a:fld>
             <a:endParaRPr lang="ko-KR" altLang="en-US"/>
           </a:p>
@@ -2393,7 +2386,7 @@
           <a:p>
             <a:fld id="{9DC2568B-7673-4D3B-A6F3-930A52AD6EEE}" type="datetimeFigureOut">
               <a:rPr lang="ko-KR" altLang="en-US" smtClean="0"/>
-              <a:t>2024-08-01</a:t>
+              <a:t>2024-08-07</a:t>
             </a:fld>
             <a:endParaRPr lang="ko-KR" altLang="en-US"/>
           </a:p>
@@ -2681,7 +2674,7 @@
           <a:p>
             <a:fld id="{9DC2568B-7673-4D3B-A6F3-930A52AD6EEE}" type="datetimeFigureOut">
               <a:rPr lang="ko-KR" altLang="en-US" smtClean="0"/>
-              <a:t>2024-08-01</a:t>
+              <a:t>2024-08-07</a:t>
             </a:fld>
             <a:endParaRPr lang="ko-KR" altLang="en-US"/>
           </a:p>
@@ -2922,7 +2915,7 @@
           <a:p>
             <a:fld id="{9DC2568B-7673-4D3B-A6F3-930A52AD6EEE}" type="datetimeFigureOut">
               <a:rPr lang="ko-KR" altLang="en-US" smtClean="0"/>
-              <a:t>2024-08-01</a:t>
+              <a:t>2024-08-07</a:t>
             </a:fld>
             <a:endParaRPr lang="ko-KR" altLang="en-US"/>
           </a:p>
@@ -3788,60 +3781,1423 @@
           <a:chExt cx="0" cy="0"/>
         </a:xfrm>
       </p:grpSpPr>
-      <p:sp>
-        <p:nvSpPr>
-          <p:cNvPr id="2" name="제목 1">
-            <a:extLst>
-              <a:ext uri="{FF2B5EF4-FFF2-40B4-BE49-F238E27FC236}">
-                <a16:creationId xmlns:a16="http://schemas.microsoft.com/office/drawing/2014/main" id="{3BFEA445-DA84-83C2-1D97-CC377EC6663C}"/>
-              </a:ext>
-            </a:extLst>
-          </p:cNvPr>
-          <p:cNvSpPr>
-            <a:spLocks noGrp="1"/>
-          </p:cNvSpPr>
-          <p:nvPr>
-            <p:ph type="title"/>
-          </p:nvPr>
-        </p:nvSpPr>
-        <p:spPr/>
-        <p:txBody>
-          <a:bodyPr/>
-          <a:lstStyle/>
-          <a:p>
-            <a:endParaRPr lang="ko-KR" altLang="en-US"/>
-          </a:p>
-        </p:txBody>
-      </p:sp>
-      <p:sp>
-        <p:nvSpPr>
-          <p:cNvPr id="3" name="내용 개체 틀 2">
-            <a:extLst>
-              <a:ext uri="{FF2B5EF4-FFF2-40B4-BE49-F238E27FC236}">
-                <a16:creationId xmlns:a16="http://schemas.microsoft.com/office/drawing/2014/main" id="{DA0550DD-82C2-7B75-9FE3-6635FF6EE992}"/>
-              </a:ext>
-            </a:extLst>
-          </p:cNvPr>
-          <p:cNvSpPr>
-            <a:spLocks noGrp="1"/>
-          </p:cNvSpPr>
-          <p:nvPr>
-            <p:ph idx="1"/>
-          </p:nvPr>
-        </p:nvSpPr>
-        <p:spPr/>
-        <p:txBody>
-          <a:bodyPr/>
-          <a:lstStyle/>
-          <a:p>
-            <a:endParaRPr lang="ko-KR" altLang="en-US"/>
-          </a:p>
-        </p:txBody>
-      </p:sp>
+      <p:grpSp>
+        <p:nvGrpSpPr>
+          <p:cNvPr id="6" name="그룹 5">
+            <a:extLst>
+              <a:ext uri="{FF2B5EF4-FFF2-40B4-BE49-F238E27FC236}">
+                <a16:creationId xmlns:a16="http://schemas.microsoft.com/office/drawing/2014/main" id="{321E033D-1D05-BFA2-5BD7-22E214183337}"/>
+              </a:ext>
+            </a:extLst>
+          </p:cNvPr>
+          <p:cNvGrpSpPr/>
+          <p:nvPr/>
+        </p:nvGrpSpPr>
+        <p:grpSpPr>
+          <a:xfrm>
+            <a:off x="2764740" y="2039434"/>
+            <a:ext cx="6662519" cy="2779132"/>
+            <a:chOff x="526222" y="2950459"/>
+            <a:chExt cx="6662519" cy="2779132"/>
+          </a:xfrm>
+        </p:grpSpPr>
+        <p:grpSp>
+          <p:nvGrpSpPr>
+            <p:cNvPr id="4" name="그룹 3">
+              <a:extLst>
+                <a:ext uri="{FF2B5EF4-FFF2-40B4-BE49-F238E27FC236}">
+                  <a16:creationId xmlns:a16="http://schemas.microsoft.com/office/drawing/2014/main" id="{283D8F45-65CD-F953-909E-C047C2F4CF13}"/>
+                </a:ext>
+              </a:extLst>
+            </p:cNvPr>
+            <p:cNvGrpSpPr/>
+            <p:nvPr/>
+          </p:nvGrpSpPr>
+          <p:grpSpPr>
+            <a:xfrm>
+              <a:off x="3085789" y="3278196"/>
+              <a:ext cx="4102952" cy="2123658"/>
+              <a:chOff x="3085789" y="3429000"/>
+              <a:chExt cx="4102952" cy="2123658"/>
+            </a:xfrm>
+          </p:grpSpPr>
+          <p:sp>
+            <p:nvSpPr>
+              <p:cNvPr id="3" name="사각형: 둥근 모서리 2">
+                <a:extLst>
+                  <a:ext uri="{FF2B5EF4-FFF2-40B4-BE49-F238E27FC236}">
+                    <a16:creationId xmlns:a16="http://schemas.microsoft.com/office/drawing/2014/main" id="{5BA84B21-59E6-990F-E116-C315C6FF3565}"/>
+                  </a:ext>
+                </a:extLst>
+              </p:cNvPr>
+              <p:cNvSpPr/>
+              <p:nvPr/>
+            </p:nvSpPr>
+            <p:spPr>
+              <a:xfrm>
+                <a:off x="3282174" y="4490829"/>
+                <a:ext cx="3194613" cy="937942"/>
+              </a:xfrm>
+              <a:prstGeom prst="roundRect">
+                <a:avLst>
+                  <a:gd name="adj" fmla="val 9596"/>
+                </a:avLst>
+              </a:prstGeom>
+              <a:solidFill>
+                <a:schemeClr val="tx1"/>
+              </a:solidFill>
+              <a:ln>
+                <a:noFill/>
+              </a:ln>
+            </p:spPr>
+            <p:style>
+              <a:lnRef idx="2">
+                <a:schemeClr val="accent1">
+                  <a:shade val="15000"/>
+                </a:schemeClr>
+              </a:lnRef>
+              <a:fillRef idx="1">
+                <a:schemeClr val="accent1"/>
+              </a:fillRef>
+              <a:effectRef idx="0">
+                <a:schemeClr val="accent1"/>
+              </a:effectRef>
+              <a:fontRef idx="minor">
+                <a:schemeClr val="lt1"/>
+              </a:fontRef>
+            </p:style>
+            <p:txBody>
+              <a:bodyPr rtlCol="0" anchor="ctr"/>
+              <a:lstStyle/>
+              <a:p>
+                <a:pPr algn="ctr"/>
+                <a:endParaRPr lang="ko-KR" altLang="en-US"/>
+              </a:p>
+            </p:txBody>
+          </p:sp>
+          <p:sp>
+            <p:nvSpPr>
+              <p:cNvPr id="9" name="TextBox 8">
+                <a:extLst>
+                  <a:ext uri="{FF2B5EF4-FFF2-40B4-BE49-F238E27FC236}">
+                    <a16:creationId xmlns:a16="http://schemas.microsoft.com/office/drawing/2014/main" id="{8EA5B571-BFE6-2266-5522-6ECC18F3ACFE}"/>
+                  </a:ext>
+                </a:extLst>
+              </p:cNvPr>
+              <p:cNvSpPr txBox="1"/>
+              <p:nvPr/>
+            </p:nvSpPr>
+            <p:spPr>
+              <a:xfrm>
+                <a:off x="3085789" y="3429000"/>
+                <a:ext cx="4102952" cy="2123658"/>
+              </a:xfrm>
+              <a:prstGeom prst="rect">
+                <a:avLst/>
+              </a:prstGeom>
+              <a:noFill/>
+            </p:spPr>
+            <p:txBody>
+              <a:bodyPr wrap="square" rtlCol="0">
+                <a:spAutoFit/>
+              </a:bodyPr>
+              <a:lstStyle/>
+              <a:p>
+                <a:r>
+                  <a:rPr lang="en-US" altLang="ko-KR" sz="6600" dirty="0">
+                    <a:latin typeface="마루 부리 중간" panose="020B0600000101010101" pitchFamily="50" charset="-127"/>
+                    <a:ea typeface="마루 부리 중간" panose="020B0600000101010101" pitchFamily="50" charset="-127"/>
+                  </a:rPr>
+                  <a:t>Hologram</a:t>
+                </a:r>
+              </a:p>
+              <a:p>
+                <a:r>
+                  <a:rPr lang="en-US" altLang="ko-KR" sz="6600" b="0" i="0" dirty="0">
+                    <a:solidFill>
+                      <a:schemeClr val="bg1"/>
+                    </a:solidFill>
+                    <a:effectLst/>
+                    <a:latin typeface="마루 부리 굵은" panose="020B0600000101010101" pitchFamily="50" charset="-127"/>
+                    <a:ea typeface="마루 부리 굵은" panose="020B0600000101010101" pitchFamily="50" charset="-127"/>
+                  </a:rPr>
+                  <a:t> </a:t>
+                </a:r>
+                <a:r>
+                  <a:rPr lang="en-US" altLang="ko-KR" sz="1400" b="0" i="0" dirty="0">
+                    <a:solidFill>
+                      <a:schemeClr val="bg1"/>
+                    </a:solidFill>
+                    <a:effectLst/>
+                    <a:latin typeface="마루 부리 굵은" panose="020B0600000101010101" pitchFamily="50" charset="-127"/>
+                    <a:ea typeface="마루 부리 굵은" panose="020B0600000101010101" pitchFamily="50" charset="-127"/>
+                  </a:rPr>
+                  <a:t> </a:t>
+                </a:r>
+                <a:r>
+                  <a:rPr lang="en-US" altLang="ko-KR" sz="6600" b="0" i="0" dirty="0">
+                    <a:solidFill>
+                      <a:schemeClr val="bg1"/>
+                    </a:solidFill>
+                    <a:effectLst/>
+                    <a:latin typeface="마루 부리 굵은" panose="020B0600000101010101" pitchFamily="50" charset="-127"/>
+                    <a:ea typeface="마루 부리 굵은" panose="020B0600000101010101" pitchFamily="50" charset="-127"/>
+                  </a:rPr>
+                  <a:t>Docent</a:t>
+                </a:r>
+                <a:endParaRPr lang="ko-KR" altLang="en-US" sz="6600" dirty="0">
+                  <a:solidFill>
+                    <a:schemeClr val="bg1"/>
+                  </a:solidFill>
+                  <a:latin typeface="마루 부리 굵은" panose="020B0600000101010101" pitchFamily="50" charset="-127"/>
+                  <a:ea typeface="마루 부리 굵은" panose="020B0600000101010101" pitchFamily="50" charset="-127"/>
+                </a:endParaRPr>
+              </a:p>
+            </p:txBody>
+          </p:sp>
+        </p:grpSp>
+        <p:pic>
+          <p:nvPicPr>
+            <p:cNvPr id="8" name="그래픽 7" descr="은행 윤곽선">
+              <a:extLst>
+                <a:ext uri="{FF2B5EF4-FFF2-40B4-BE49-F238E27FC236}">
+                  <a16:creationId xmlns:a16="http://schemas.microsoft.com/office/drawing/2014/main" id="{F3AD2B92-DB8C-1FA3-E445-8908C47FC167}"/>
+                </a:ext>
+              </a:extLst>
+            </p:cNvPr>
+            <p:cNvPicPr>
+              <a:picLocks noChangeAspect="1"/>
+            </p:cNvPicPr>
+            <p:nvPr/>
+          </p:nvPicPr>
+          <p:blipFill>
+            <a:blip r:embed="rId2">
+              <a:extLst>
+                <a:ext uri="{96DAC541-7B7A-43D3-8B79-37D633B846F1}">
+                  <asvg:svgBlip xmlns:asvg="http://schemas.microsoft.com/office/drawing/2016/SVG/main" r:embed="rId3"/>
+                </a:ext>
+              </a:extLst>
+            </a:blip>
+            <a:stretch>
+              <a:fillRect/>
+            </a:stretch>
+          </p:blipFill>
+          <p:spPr>
+            <a:xfrm>
+              <a:off x="526222" y="2950459"/>
+              <a:ext cx="2779132" cy="2779132"/>
+            </a:xfrm>
+            <a:prstGeom prst="rect">
+              <a:avLst/>
+            </a:prstGeom>
+          </p:spPr>
+        </p:pic>
+      </p:grpSp>
+    </p:spTree>
+    <p:extLst>
+      <p:ext uri="{BB962C8B-B14F-4D97-AF65-F5344CB8AC3E}">
+        <p14:creationId xmlns:p14="http://schemas.microsoft.com/office/powerpoint/2010/main" val="2587069416"/>
+      </p:ext>
+    </p:extLst>
+  </p:cSld>
+  <p:clrMapOvr>
+    <a:masterClrMapping/>
+  </p:clrMapOvr>
+</p:sld>
+</file>
+
+<file path=ppt/slides/slide4.xml><?xml version="1.0" encoding="utf-8"?>
+<p:sld xmlns:a="http://schemas.openxmlformats.org/drawingml/2006/main" xmlns:r="http://schemas.openxmlformats.org/officeDocument/2006/relationships" xmlns:p="http://schemas.openxmlformats.org/presentationml/2006/main">
+  <p:cSld>
+    <p:spTree>
+      <p:nvGrpSpPr>
+        <p:cNvPr id="1" name=""/>
+        <p:cNvGrpSpPr/>
+        <p:nvPr/>
+      </p:nvGrpSpPr>
+      <p:grpSpPr>
+        <a:xfrm>
+          <a:off x="0" y="0"/>
+          <a:ext cx="0" cy="0"/>
+          <a:chOff x="0" y="0"/>
+          <a:chExt cx="0" cy="0"/>
+        </a:xfrm>
+      </p:grpSpPr>
+      <p:grpSp>
+        <p:nvGrpSpPr>
+          <p:cNvPr id="16" name="그룹 15">
+            <a:extLst>
+              <a:ext uri="{FF2B5EF4-FFF2-40B4-BE49-F238E27FC236}">
+                <a16:creationId xmlns:a16="http://schemas.microsoft.com/office/drawing/2014/main" id="{912D0B13-01C5-048B-AFD8-A7BF63F3926C}"/>
+              </a:ext>
+            </a:extLst>
+          </p:cNvPr>
+          <p:cNvGrpSpPr/>
+          <p:nvPr/>
+        </p:nvGrpSpPr>
+        <p:grpSpPr>
+          <a:xfrm>
+            <a:off x="1890683" y="0"/>
+            <a:ext cx="7200000" cy="7200000"/>
+            <a:chOff x="1890683" y="0"/>
+            <a:chExt cx="7200000" cy="7200000"/>
+          </a:xfrm>
+        </p:grpSpPr>
+        <p:grpSp>
+          <p:nvGrpSpPr>
+            <p:cNvPr id="15" name="그룹 14">
+              <a:extLst>
+                <a:ext uri="{FF2B5EF4-FFF2-40B4-BE49-F238E27FC236}">
+                  <a16:creationId xmlns:a16="http://schemas.microsoft.com/office/drawing/2014/main" id="{917A703D-4180-D301-13B0-1731E3A2B711}"/>
+                </a:ext>
+              </a:extLst>
+            </p:cNvPr>
+            <p:cNvGrpSpPr/>
+            <p:nvPr/>
+          </p:nvGrpSpPr>
+          <p:grpSpPr>
+            <a:xfrm>
+              <a:off x="1890683" y="0"/>
+              <a:ext cx="7200000" cy="7200000"/>
+              <a:chOff x="1890683" y="0"/>
+              <a:chExt cx="7200000" cy="7200000"/>
+            </a:xfrm>
+          </p:grpSpPr>
+          <p:sp>
+            <p:nvSpPr>
+              <p:cNvPr id="8" name="사각형: 둥근 모서리 7">
+                <a:extLst>
+                  <a:ext uri="{FF2B5EF4-FFF2-40B4-BE49-F238E27FC236}">
+                    <a16:creationId xmlns:a16="http://schemas.microsoft.com/office/drawing/2014/main" id="{5D1E9452-42C6-0D7C-6AB6-0D7F7198B1C9}"/>
+                  </a:ext>
+                </a:extLst>
+              </p:cNvPr>
+              <p:cNvSpPr/>
+              <p:nvPr/>
+            </p:nvSpPr>
+            <p:spPr>
+              <a:xfrm>
+                <a:off x="1890683" y="0"/>
+                <a:ext cx="7200000" cy="7200000"/>
+              </a:xfrm>
+              <a:prstGeom prst="roundRect">
+                <a:avLst>
+                  <a:gd name="adj" fmla="val 9596"/>
+                </a:avLst>
+              </a:prstGeom>
+              <a:solidFill>
+                <a:srgbClr val="132435"/>
+              </a:solidFill>
+              <a:ln>
+                <a:noFill/>
+              </a:ln>
+            </p:spPr>
+            <p:style>
+              <a:lnRef idx="2">
+                <a:schemeClr val="accent1">
+                  <a:shade val="15000"/>
+                </a:schemeClr>
+              </a:lnRef>
+              <a:fillRef idx="1">
+                <a:schemeClr val="accent1"/>
+              </a:fillRef>
+              <a:effectRef idx="0">
+                <a:schemeClr val="accent1"/>
+              </a:effectRef>
+              <a:fontRef idx="minor">
+                <a:schemeClr val="lt1"/>
+              </a:fontRef>
+            </p:style>
+            <p:txBody>
+              <a:bodyPr rtlCol="0" anchor="ctr"/>
+              <a:lstStyle/>
+              <a:p>
+                <a:pPr algn="ctr"/>
+                <a:endParaRPr lang="ko-KR" altLang="en-US" dirty="0"/>
+              </a:p>
+            </p:txBody>
+          </p:sp>
+          <p:pic>
+            <p:nvPicPr>
+              <p:cNvPr id="11" name="그래픽 10" descr="닫기 단색으로 채워진">
+                <a:extLst>
+                  <a:ext uri="{FF2B5EF4-FFF2-40B4-BE49-F238E27FC236}">
+                    <a16:creationId xmlns:a16="http://schemas.microsoft.com/office/drawing/2014/main" id="{DC1B211B-3B26-F24F-0093-F5E665EFB782}"/>
+                  </a:ext>
+                </a:extLst>
+              </p:cNvPr>
+              <p:cNvPicPr>
+                <a:picLocks noChangeAspect="1"/>
+              </p:cNvPicPr>
+              <p:nvPr/>
+            </p:nvPicPr>
+            <p:blipFill>
+              <a:blip r:embed="rId2">
+                <a:extLst>
+                  <a:ext uri="{96DAC541-7B7A-43D3-8B79-37D633B846F1}">
+                    <asvg:svgBlip xmlns:asvg="http://schemas.microsoft.com/office/drawing/2016/SVG/main" r:embed="rId3"/>
+                  </a:ext>
+                </a:extLst>
+              </a:blip>
+              <a:stretch>
+                <a:fillRect/>
+              </a:stretch>
+            </p:blipFill>
+            <p:spPr>
+              <a:xfrm>
+                <a:off x="7925545" y="326938"/>
+                <a:ext cx="860104" cy="860104"/>
+              </a:xfrm>
+              <a:prstGeom prst="rect">
+                <a:avLst/>
+              </a:prstGeom>
+            </p:spPr>
+          </p:pic>
+        </p:grpSp>
+        <p:sp>
+          <p:nvSpPr>
+            <p:cNvPr id="13" name="TextBox 12">
+              <a:extLst>
+                <a:ext uri="{FF2B5EF4-FFF2-40B4-BE49-F238E27FC236}">
+                  <a16:creationId xmlns:a16="http://schemas.microsoft.com/office/drawing/2014/main" id="{20481E55-58D4-6609-90B7-67D42A34222A}"/>
+                </a:ext>
+              </a:extLst>
+            </p:cNvPr>
+            <p:cNvSpPr txBox="1"/>
+            <p:nvPr/>
+          </p:nvSpPr>
+          <p:spPr>
+            <a:xfrm>
+              <a:off x="2442683" y="1209180"/>
+              <a:ext cx="6096000" cy="5170646"/>
+            </a:xfrm>
+            <a:prstGeom prst="rect">
+              <a:avLst/>
+            </a:prstGeom>
+            <a:noFill/>
+          </p:spPr>
+          <p:txBody>
+            <a:bodyPr wrap="square">
+              <a:spAutoFit/>
+            </a:bodyPr>
+            <a:lstStyle/>
+            <a:p>
+              <a:pPr algn="ctr">
+                <a:lnSpc>
+                  <a:spcPct val="200000"/>
+                </a:lnSpc>
+              </a:pPr>
+              <a:r>
+                <a:rPr lang="ko-KR" altLang="en-US" sz="2400" dirty="0">
+                  <a:solidFill>
+                    <a:schemeClr val="bg1"/>
+                  </a:solidFill>
+                  <a:latin typeface="마루 부리 굵은" panose="020B0600000101010101" pitchFamily="50" charset="-127"/>
+                  <a:ea typeface="마루 부리 굵은" panose="020B0600000101010101" pitchFamily="50" charset="-127"/>
+                </a:rPr>
+                <a:t>김홍도 "씨름", 《단원 풍속도첩》</a:t>
+              </a:r>
+            </a:p>
+            <a:p>
+              <a:pPr algn="ctr">
+                <a:lnSpc>
+                  <a:spcPct val="200000"/>
+                </a:lnSpc>
+              </a:pPr>
+              <a:endParaRPr lang="ko-KR" altLang="en-US" sz="2400" dirty="0">
+                <a:solidFill>
+                  <a:schemeClr val="bg1"/>
+                </a:solidFill>
+                <a:latin typeface="마루 부리 굵은" panose="020B0600000101010101" pitchFamily="50" charset="-127"/>
+                <a:ea typeface="마루 부리 굵은" panose="020B0600000101010101" pitchFamily="50" charset="-127"/>
+              </a:endParaRPr>
+            </a:p>
+            <a:p>
+              <a:pPr algn="ctr">
+                <a:lnSpc>
+                  <a:spcPct val="200000"/>
+                </a:lnSpc>
+              </a:pPr>
+              <a:r>
+                <a:rPr lang="ko-KR" altLang="en-US" sz="2400" dirty="0">
+                  <a:solidFill>
+                    <a:schemeClr val="bg1"/>
+                  </a:solidFill>
+                  <a:latin typeface="마루 부리 굵은" panose="020B0600000101010101" pitchFamily="50" charset="-127"/>
+                  <a:ea typeface="마루 부리 굵은" panose="020B0600000101010101" pitchFamily="50" charset="-127"/>
+                </a:rPr>
+                <a:t>두 무리의 구경꾼들을 화면의 위아래에 둥글게 배치하여 가운데 공간을 연 다음, 서로 맞붙어 힘을 겨루는 두 사람의 씨름꾼을 그려 넣어 그림의 중심을 잡았다. &lt;씨름&gt;은 그의 풍속화 특징을 대표할 만한 명품에 속한다.</a:t>
+              </a:r>
+            </a:p>
+          </p:txBody>
+        </p:sp>
+      </p:grpSp>
     </p:spTree>
     <p:extLst>
       <p:ext uri="{BB962C8B-B14F-4D97-AF65-F5344CB8AC3E}">
         <p14:creationId xmlns:p14="http://schemas.microsoft.com/office/powerpoint/2010/main" val="3208832814"/>
+      </p:ext>
+    </p:extLst>
+  </p:cSld>
+  <p:clrMapOvr>
+    <a:masterClrMapping/>
+  </p:clrMapOvr>
+</p:sld>
+</file>
+
+<file path=ppt/slides/slide5.xml><?xml version="1.0" encoding="utf-8"?>
+<p:sld xmlns:a="http://schemas.openxmlformats.org/drawingml/2006/main" xmlns:r="http://schemas.openxmlformats.org/officeDocument/2006/relationships" xmlns:p="http://schemas.openxmlformats.org/presentationml/2006/main">
+  <p:cSld>
+    <p:spTree>
+      <p:nvGrpSpPr>
+        <p:cNvPr id="1" name=""/>
+        <p:cNvGrpSpPr/>
+        <p:nvPr/>
+      </p:nvGrpSpPr>
+      <p:grpSpPr>
+        <a:xfrm>
+          <a:off x="0" y="0"/>
+          <a:ext cx="0" cy="0"/>
+          <a:chOff x="0" y="0"/>
+          <a:chExt cx="0" cy="0"/>
+        </a:xfrm>
+      </p:grpSpPr>
+      <p:grpSp>
+        <p:nvGrpSpPr>
+          <p:cNvPr id="2" name="그룹 1">
+            <a:extLst>
+              <a:ext uri="{FF2B5EF4-FFF2-40B4-BE49-F238E27FC236}">
+                <a16:creationId xmlns:a16="http://schemas.microsoft.com/office/drawing/2014/main" id="{D50A98CC-8C6F-D527-8488-8194E78F9A79}"/>
+              </a:ext>
+            </a:extLst>
+          </p:cNvPr>
+          <p:cNvGrpSpPr/>
+          <p:nvPr/>
+        </p:nvGrpSpPr>
+        <p:grpSpPr>
+          <a:xfrm>
+            <a:off x="1890683" y="0"/>
+            <a:ext cx="7200000" cy="7200000"/>
+            <a:chOff x="1890683" y="0"/>
+            <a:chExt cx="7200000" cy="7200000"/>
+          </a:xfrm>
+        </p:grpSpPr>
+        <p:grpSp>
+          <p:nvGrpSpPr>
+            <p:cNvPr id="15" name="그룹 14">
+              <a:extLst>
+                <a:ext uri="{FF2B5EF4-FFF2-40B4-BE49-F238E27FC236}">
+                  <a16:creationId xmlns:a16="http://schemas.microsoft.com/office/drawing/2014/main" id="{917A703D-4180-D301-13B0-1731E3A2B711}"/>
+                </a:ext>
+              </a:extLst>
+            </p:cNvPr>
+            <p:cNvGrpSpPr/>
+            <p:nvPr/>
+          </p:nvGrpSpPr>
+          <p:grpSpPr>
+            <a:xfrm>
+              <a:off x="1890683" y="0"/>
+              <a:ext cx="7200000" cy="7200000"/>
+              <a:chOff x="1890683" y="0"/>
+              <a:chExt cx="7200000" cy="7200000"/>
+            </a:xfrm>
+          </p:grpSpPr>
+          <p:sp>
+            <p:nvSpPr>
+              <p:cNvPr id="8" name="사각형: 둥근 모서리 7">
+                <a:extLst>
+                  <a:ext uri="{FF2B5EF4-FFF2-40B4-BE49-F238E27FC236}">
+                    <a16:creationId xmlns:a16="http://schemas.microsoft.com/office/drawing/2014/main" id="{5D1E9452-42C6-0D7C-6AB6-0D7F7198B1C9}"/>
+                  </a:ext>
+                </a:extLst>
+              </p:cNvPr>
+              <p:cNvSpPr/>
+              <p:nvPr/>
+            </p:nvSpPr>
+            <p:spPr>
+              <a:xfrm>
+                <a:off x="1890683" y="0"/>
+                <a:ext cx="7200000" cy="7200000"/>
+              </a:xfrm>
+              <a:prstGeom prst="roundRect">
+                <a:avLst>
+                  <a:gd name="adj" fmla="val 9596"/>
+                </a:avLst>
+              </a:prstGeom>
+              <a:solidFill>
+                <a:srgbClr val="132435"/>
+              </a:solidFill>
+              <a:ln>
+                <a:noFill/>
+              </a:ln>
+            </p:spPr>
+            <p:style>
+              <a:lnRef idx="2">
+                <a:schemeClr val="accent1">
+                  <a:shade val="15000"/>
+                </a:schemeClr>
+              </a:lnRef>
+              <a:fillRef idx="1">
+                <a:schemeClr val="accent1"/>
+              </a:fillRef>
+              <a:effectRef idx="0">
+                <a:schemeClr val="accent1"/>
+              </a:effectRef>
+              <a:fontRef idx="minor">
+                <a:schemeClr val="lt1"/>
+              </a:fontRef>
+            </p:style>
+            <p:txBody>
+              <a:bodyPr rtlCol="0" anchor="ctr"/>
+              <a:lstStyle/>
+              <a:p>
+                <a:pPr algn="ctr"/>
+                <a:endParaRPr lang="ko-KR" altLang="en-US" dirty="0"/>
+              </a:p>
+            </p:txBody>
+          </p:sp>
+          <p:pic>
+            <p:nvPicPr>
+              <p:cNvPr id="11" name="그래픽 10" descr="닫기 단색으로 채워진">
+                <a:extLst>
+                  <a:ext uri="{FF2B5EF4-FFF2-40B4-BE49-F238E27FC236}">
+                    <a16:creationId xmlns:a16="http://schemas.microsoft.com/office/drawing/2014/main" id="{DC1B211B-3B26-F24F-0093-F5E665EFB782}"/>
+                  </a:ext>
+                </a:extLst>
+              </p:cNvPr>
+              <p:cNvPicPr>
+                <a:picLocks noChangeAspect="1"/>
+              </p:cNvPicPr>
+              <p:nvPr/>
+            </p:nvPicPr>
+            <p:blipFill>
+              <a:blip r:embed="rId2">
+                <a:extLst>
+                  <a:ext uri="{96DAC541-7B7A-43D3-8B79-37D633B846F1}">
+                    <asvg:svgBlip xmlns:asvg="http://schemas.microsoft.com/office/drawing/2016/SVG/main" r:embed="rId3"/>
+                  </a:ext>
+                </a:extLst>
+              </a:blip>
+              <a:stretch>
+                <a:fillRect/>
+              </a:stretch>
+            </p:blipFill>
+            <p:spPr>
+              <a:xfrm>
+                <a:off x="7925545" y="326938"/>
+                <a:ext cx="860104" cy="860104"/>
+              </a:xfrm>
+              <a:prstGeom prst="rect">
+                <a:avLst/>
+              </a:prstGeom>
+            </p:spPr>
+          </p:pic>
+        </p:grpSp>
+        <p:sp>
+          <p:nvSpPr>
+            <p:cNvPr id="13" name="TextBox 12">
+              <a:extLst>
+                <a:ext uri="{FF2B5EF4-FFF2-40B4-BE49-F238E27FC236}">
+                  <a16:creationId xmlns:a16="http://schemas.microsoft.com/office/drawing/2014/main" id="{20481E55-58D4-6609-90B7-67D42A34222A}"/>
+                </a:ext>
+              </a:extLst>
+            </p:cNvPr>
+            <p:cNvSpPr txBox="1"/>
+            <p:nvPr/>
+          </p:nvSpPr>
+          <p:spPr>
+            <a:xfrm>
+              <a:off x="2442683" y="1209180"/>
+              <a:ext cx="6096000" cy="5170646"/>
+            </a:xfrm>
+            <a:prstGeom prst="rect">
+              <a:avLst/>
+            </a:prstGeom>
+            <a:noFill/>
+          </p:spPr>
+          <p:txBody>
+            <a:bodyPr wrap="square">
+              <a:spAutoFit/>
+            </a:bodyPr>
+            <a:lstStyle/>
+            <a:p>
+              <a:pPr algn="ctr">
+                <a:lnSpc>
+                  <a:spcPct val="200000"/>
+                </a:lnSpc>
+              </a:pPr>
+              <a:r>
+                <a:rPr lang="ko-KR" altLang="en-US" sz="2400" dirty="0">
+                  <a:solidFill>
+                    <a:schemeClr val="bg1"/>
+                  </a:solidFill>
+                  <a:latin typeface="마루 부리 굵은" panose="020B0600000101010101" pitchFamily="50" charset="-127"/>
+                  <a:ea typeface="마루 부리 굵은" panose="020B0600000101010101" pitchFamily="50" charset="-127"/>
+                </a:rPr>
+                <a:t>김홍도 </a:t>
+              </a:r>
+              <a:r>
+                <a:rPr lang="en-US" altLang="ko-KR" sz="2400" dirty="0">
+                  <a:solidFill>
+                    <a:schemeClr val="bg1"/>
+                  </a:solidFill>
+                  <a:latin typeface="마루 부리 굵은" panose="020B0600000101010101" pitchFamily="50" charset="-127"/>
+                  <a:ea typeface="마루 부리 굵은" panose="020B0600000101010101" pitchFamily="50" charset="-127"/>
+                </a:rPr>
+                <a:t>"</a:t>
+              </a:r>
+              <a:r>
+                <a:rPr lang="ko-KR" altLang="en-US" sz="2400" dirty="0">
+                  <a:solidFill>
+                    <a:schemeClr val="bg1"/>
+                  </a:solidFill>
+                  <a:latin typeface="마루 부리 굵은" panose="020B0600000101010101" pitchFamily="50" charset="-127"/>
+                  <a:ea typeface="마루 부리 굵은" panose="020B0600000101010101" pitchFamily="50" charset="-127"/>
+                </a:rPr>
+                <a:t>서당</a:t>
+              </a:r>
+              <a:r>
+                <a:rPr lang="en-US" altLang="ko-KR" sz="2400" dirty="0">
+                  <a:solidFill>
+                    <a:schemeClr val="bg1"/>
+                  </a:solidFill>
+                  <a:latin typeface="마루 부리 굵은" panose="020B0600000101010101" pitchFamily="50" charset="-127"/>
+                  <a:ea typeface="마루 부리 굵은" panose="020B0600000101010101" pitchFamily="50" charset="-127"/>
+                </a:rPr>
+                <a:t>", 《</a:t>
+              </a:r>
+              <a:r>
+                <a:rPr lang="ko-KR" altLang="en-US" sz="2400" dirty="0">
+                  <a:solidFill>
+                    <a:schemeClr val="bg1"/>
+                  </a:solidFill>
+                  <a:latin typeface="마루 부리 굵은" panose="020B0600000101010101" pitchFamily="50" charset="-127"/>
+                  <a:ea typeface="마루 부리 굵은" panose="020B0600000101010101" pitchFamily="50" charset="-127"/>
+                </a:rPr>
+                <a:t>단원 풍속도첩</a:t>
+              </a:r>
+              <a:r>
+                <a:rPr lang="en-US" altLang="ko-KR" sz="2400" dirty="0">
+                  <a:solidFill>
+                    <a:schemeClr val="bg1"/>
+                  </a:solidFill>
+                  <a:latin typeface="마루 부리 굵은" panose="020B0600000101010101" pitchFamily="50" charset="-127"/>
+                  <a:ea typeface="마루 부리 굵은" panose="020B0600000101010101" pitchFamily="50" charset="-127"/>
+                </a:rPr>
+                <a:t>》</a:t>
+              </a:r>
+            </a:p>
+            <a:p>
+              <a:pPr algn="ctr">
+                <a:lnSpc>
+                  <a:spcPct val="200000"/>
+                </a:lnSpc>
+              </a:pPr>
+              <a:endParaRPr lang="en-US" altLang="ko-KR" sz="2400" dirty="0">
+                <a:solidFill>
+                  <a:schemeClr val="bg1"/>
+                </a:solidFill>
+                <a:latin typeface="마루 부리 굵은" panose="020B0600000101010101" pitchFamily="50" charset="-127"/>
+                <a:ea typeface="마루 부리 굵은" panose="020B0600000101010101" pitchFamily="50" charset="-127"/>
+              </a:endParaRPr>
+            </a:p>
+            <a:p>
+              <a:pPr algn="ctr">
+                <a:lnSpc>
+                  <a:spcPct val="200000"/>
+                </a:lnSpc>
+              </a:pPr>
+              <a:r>
+                <a:rPr lang="ko-KR" altLang="en-US" sz="2400" dirty="0">
+                  <a:solidFill>
+                    <a:schemeClr val="bg1"/>
+                  </a:solidFill>
+                  <a:latin typeface="마루 부리 굵은" panose="020B0600000101010101" pitchFamily="50" charset="-127"/>
+                  <a:ea typeface="마루 부리 굵은" panose="020B0600000101010101" pitchFamily="50" charset="-127"/>
+                </a:rPr>
+                <a:t>훌쩍이는 학동과 그 주위에 훈장을 축으로 학동들을 둥글게 배치하였다</a:t>
+              </a:r>
+              <a:r>
+                <a:rPr lang="en-US" altLang="ko-KR" sz="2400" dirty="0">
+                  <a:solidFill>
+                    <a:schemeClr val="bg1"/>
+                  </a:solidFill>
+                  <a:latin typeface="마루 부리 굵은" panose="020B0600000101010101" pitchFamily="50" charset="-127"/>
+                  <a:ea typeface="마루 부리 굵은" panose="020B0600000101010101" pitchFamily="50" charset="-127"/>
+                </a:rPr>
+                <a:t>. </a:t>
+              </a:r>
+              <a:r>
+                <a:rPr lang="ko-KR" altLang="en-US" sz="2400" dirty="0">
+                  <a:solidFill>
+                    <a:schemeClr val="bg1"/>
+                  </a:solidFill>
+                  <a:latin typeface="마루 부리 굵은" panose="020B0600000101010101" pitchFamily="50" charset="-127"/>
+                  <a:ea typeface="마루 부리 굵은" panose="020B0600000101010101" pitchFamily="50" charset="-127"/>
+                </a:rPr>
+                <a:t>화면의 구성이나 생략된 배경</a:t>
+              </a:r>
+              <a:r>
+                <a:rPr lang="en-US" altLang="ko-KR" sz="2400" dirty="0">
+                  <a:solidFill>
+                    <a:schemeClr val="bg1"/>
+                  </a:solidFill>
+                  <a:latin typeface="마루 부리 굵은" panose="020B0600000101010101" pitchFamily="50" charset="-127"/>
+                  <a:ea typeface="마루 부리 굵은" panose="020B0600000101010101" pitchFamily="50" charset="-127"/>
+                </a:rPr>
+                <a:t>, </a:t>
+              </a:r>
+              <a:r>
+                <a:rPr lang="ko-KR" altLang="en-US" sz="2400" dirty="0">
+                  <a:solidFill>
+                    <a:schemeClr val="bg1"/>
+                  </a:solidFill>
+                  <a:latin typeface="마루 부리 굵은" panose="020B0600000101010101" pitchFamily="50" charset="-127"/>
+                  <a:ea typeface="마루 부리 굵은" panose="020B0600000101010101" pitchFamily="50" charset="-127"/>
+                </a:rPr>
+                <a:t>옷주름의 필치</a:t>
+              </a:r>
+              <a:r>
+                <a:rPr lang="en-US" altLang="ko-KR" sz="2400" dirty="0">
+                  <a:solidFill>
+                    <a:schemeClr val="bg1"/>
+                  </a:solidFill>
+                  <a:latin typeface="마루 부리 굵은" panose="020B0600000101010101" pitchFamily="50" charset="-127"/>
+                  <a:ea typeface="마루 부리 굵은" panose="020B0600000101010101" pitchFamily="50" charset="-127"/>
+                </a:rPr>
+                <a:t>, </a:t>
+              </a:r>
+              <a:r>
+                <a:rPr lang="ko-KR" altLang="en-US" sz="2400" dirty="0">
+                  <a:solidFill>
+                    <a:schemeClr val="bg1"/>
+                  </a:solidFill>
+                  <a:latin typeface="마루 부리 굵은" panose="020B0600000101010101" pitchFamily="50" charset="-127"/>
+                  <a:ea typeface="마루 부리 굵은" panose="020B0600000101010101" pitchFamily="50" charset="-127"/>
+                </a:rPr>
+                <a:t>얼굴 모습 등 모두가 현장감 넘치는 분위기를 준다</a:t>
+              </a:r>
+              <a:r>
+                <a:rPr lang="en-US" altLang="ko-KR" sz="2400" dirty="0">
+                  <a:solidFill>
+                    <a:schemeClr val="bg1"/>
+                  </a:solidFill>
+                  <a:latin typeface="마루 부리 굵은" panose="020B0600000101010101" pitchFamily="50" charset="-127"/>
+                  <a:ea typeface="마루 부리 굵은" panose="020B0600000101010101" pitchFamily="50" charset="-127"/>
+                </a:rPr>
+                <a:t>. </a:t>
+              </a:r>
+              <a:r>
+                <a:rPr lang="ko-KR" altLang="en-US" sz="2400" dirty="0">
+                  <a:solidFill>
+                    <a:schemeClr val="bg1"/>
+                  </a:solidFill>
+                  <a:latin typeface="마루 부리 굵은" panose="020B0600000101010101" pitchFamily="50" charset="-127"/>
+                  <a:ea typeface="마루 부리 굵은" panose="020B0600000101010101" pitchFamily="50" charset="-127"/>
+                </a:rPr>
+                <a:t>주변 인물들의 익살스러운 모습에도 정감이 넘친다</a:t>
+              </a:r>
+              <a:r>
+                <a:rPr lang="en-US" altLang="ko-KR" sz="2400" dirty="0">
+                  <a:solidFill>
+                    <a:schemeClr val="bg1"/>
+                  </a:solidFill>
+                  <a:latin typeface="마루 부리 굵은" panose="020B0600000101010101" pitchFamily="50" charset="-127"/>
+                  <a:ea typeface="마루 부리 굵은" panose="020B0600000101010101" pitchFamily="50" charset="-127"/>
+                </a:rPr>
+                <a:t>.</a:t>
+              </a:r>
+              <a:endParaRPr lang="ko-KR" altLang="en-US" sz="2400" dirty="0">
+                <a:solidFill>
+                  <a:schemeClr val="bg1"/>
+                </a:solidFill>
+                <a:latin typeface="마루 부리 굵은" panose="020B0600000101010101" pitchFamily="50" charset="-127"/>
+                <a:ea typeface="마루 부리 굵은" panose="020B0600000101010101" pitchFamily="50" charset="-127"/>
+              </a:endParaRPr>
+            </a:p>
+          </p:txBody>
+        </p:sp>
+      </p:grpSp>
+    </p:spTree>
+    <p:extLst>
+      <p:ext uri="{BB962C8B-B14F-4D97-AF65-F5344CB8AC3E}">
+        <p14:creationId xmlns:p14="http://schemas.microsoft.com/office/powerpoint/2010/main" val="866236574"/>
+      </p:ext>
+    </p:extLst>
+  </p:cSld>
+  <p:clrMapOvr>
+    <a:masterClrMapping/>
+  </p:clrMapOvr>
+</p:sld>
+</file>
+
+<file path=ppt/slides/slide6.xml><?xml version="1.0" encoding="utf-8"?>
+<p:sld xmlns:a="http://schemas.openxmlformats.org/drawingml/2006/main" xmlns:r="http://schemas.openxmlformats.org/officeDocument/2006/relationships" xmlns:p="http://schemas.openxmlformats.org/presentationml/2006/main">
+  <p:cSld>
+    <p:spTree>
+      <p:nvGrpSpPr>
+        <p:cNvPr id="1" name=""/>
+        <p:cNvGrpSpPr/>
+        <p:nvPr/>
+      </p:nvGrpSpPr>
+      <p:grpSpPr>
+        <a:xfrm>
+          <a:off x="0" y="0"/>
+          <a:ext cx="0" cy="0"/>
+          <a:chOff x="0" y="0"/>
+          <a:chExt cx="0" cy="0"/>
+        </a:xfrm>
+      </p:grpSpPr>
+      <p:grpSp>
+        <p:nvGrpSpPr>
+          <p:cNvPr id="15" name="그룹 14">
+            <a:extLst>
+              <a:ext uri="{FF2B5EF4-FFF2-40B4-BE49-F238E27FC236}">
+                <a16:creationId xmlns:a16="http://schemas.microsoft.com/office/drawing/2014/main" id="{917A703D-4180-D301-13B0-1731E3A2B711}"/>
+              </a:ext>
+            </a:extLst>
+          </p:cNvPr>
+          <p:cNvGrpSpPr/>
+          <p:nvPr/>
+        </p:nvGrpSpPr>
+        <p:grpSpPr>
+          <a:xfrm>
+            <a:off x="1890683" y="0"/>
+            <a:ext cx="7200000" cy="7200000"/>
+            <a:chOff x="1890683" y="0"/>
+            <a:chExt cx="7200000" cy="7200000"/>
+          </a:xfrm>
+        </p:grpSpPr>
+        <p:sp>
+          <p:nvSpPr>
+            <p:cNvPr id="8" name="사각형: 둥근 모서리 7">
+              <a:extLst>
+                <a:ext uri="{FF2B5EF4-FFF2-40B4-BE49-F238E27FC236}">
+                  <a16:creationId xmlns:a16="http://schemas.microsoft.com/office/drawing/2014/main" id="{5D1E9452-42C6-0D7C-6AB6-0D7F7198B1C9}"/>
+                </a:ext>
+              </a:extLst>
+            </p:cNvPr>
+            <p:cNvSpPr/>
+            <p:nvPr/>
+          </p:nvSpPr>
+          <p:spPr>
+            <a:xfrm>
+              <a:off x="1890683" y="0"/>
+              <a:ext cx="7200000" cy="7200000"/>
+            </a:xfrm>
+            <a:prstGeom prst="roundRect">
+              <a:avLst>
+                <a:gd name="adj" fmla="val 9596"/>
+              </a:avLst>
+            </a:prstGeom>
+            <a:solidFill>
+              <a:srgbClr val="132435"/>
+            </a:solidFill>
+            <a:ln>
+              <a:noFill/>
+            </a:ln>
+          </p:spPr>
+          <p:style>
+            <a:lnRef idx="2">
+              <a:schemeClr val="accent1">
+                <a:shade val="15000"/>
+              </a:schemeClr>
+            </a:lnRef>
+            <a:fillRef idx="1">
+              <a:schemeClr val="accent1"/>
+            </a:fillRef>
+            <a:effectRef idx="0">
+              <a:schemeClr val="accent1"/>
+            </a:effectRef>
+            <a:fontRef idx="minor">
+              <a:schemeClr val="lt1"/>
+            </a:fontRef>
+          </p:style>
+          <p:txBody>
+            <a:bodyPr rtlCol="0" anchor="ctr"/>
+            <a:lstStyle/>
+            <a:p>
+              <a:pPr algn="ctr"/>
+              <a:endParaRPr lang="ko-KR" altLang="en-US" dirty="0"/>
+            </a:p>
+          </p:txBody>
+        </p:sp>
+        <p:pic>
+          <p:nvPicPr>
+            <p:cNvPr id="11" name="그래픽 10" descr="닫기 단색으로 채워진">
+              <a:extLst>
+                <a:ext uri="{FF2B5EF4-FFF2-40B4-BE49-F238E27FC236}">
+                  <a16:creationId xmlns:a16="http://schemas.microsoft.com/office/drawing/2014/main" id="{DC1B211B-3B26-F24F-0093-F5E665EFB782}"/>
+                </a:ext>
+              </a:extLst>
+            </p:cNvPr>
+            <p:cNvPicPr>
+              <a:picLocks noChangeAspect="1"/>
+            </p:cNvPicPr>
+            <p:nvPr/>
+          </p:nvPicPr>
+          <p:blipFill>
+            <a:blip r:embed="rId2">
+              <a:extLst>
+                <a:ext uri="{96DAC541-7B7A-43D3-8B79-37D633B846F1}">
+                  <asvg:svgBlip xmlns:asvg="http://schemas.microsoft.com/office/drawing/2016/SVG/main" r:embed="rId3"/>
+                </a:ext>
+              </a:extLst>
+            </a:blip>
+            <a:stretch>
+              <a:fillRect/>
+            </a:stretch>
+          </p:blipFill>
+          <p:spPr>
+            <a:xfrm>
+              <a:off x="7925545" y="326938"/>
+              <a:ext cx="860104" cy="860104"/>
+            </a:xfrm>
+            <a:prstGeom prst="rect">
+              <a:avLst/>
+            </a:prstGeom>
+          </p:spPr>
+        </p:pic>
+      </p:grpSp>
+      <p:sp>
+        <p:nvSpPr>
+          <p:cNvPr id="13" name="TextBox 12">
+            <a:extLst>
+              <a:ext uri="{FF2B5EF4-FFF2-40B4-BE49-F238E27FC236}">
+                <a16:creationId xmlns:a16="http://schemas.microsoft.com/office/drawing/2014/main" id="{20481E55-58D4-6609-90B7-67D42A34222A}"/>
+              </a:ext>
+            </a:extLst>
+          </p:cNvPr>
+          <p:cNvSpPr txBox="1"/>
+          <p:nvPr/>
+        </p:nvSpPr>
+        <p:spPr>
+          <a:xfrm>
+            <a:off x="2442683" y="1209180"/>
+            <a:ext cx="6096000" cy="5170646"/>
+          </a:xfrm>
+          <a:prstGeom prst="rect">
+            <a:avLst/>
+          </a:prstGeom>
+          <a:noFill/>
+        </p:spPr>
+        <p:txBody>
+          <a:bodyPr wrap="square">
+            <a:spAutoFit/>
+          </a:bodyPr>
+          <a:lstStyle/>
+          <a:p>
+            <a:pPr algn="ctr">
+              <a:lnSpc>
+                <a:spcPct val="200000"/>
+              </a:lnSpc>
+            </a:pPr>
+            <a:r>
+              <a:rPr lang="ko-KR" altLang="en-US" sz="2400" dirty="0">
+                <a:solidFill>
+                  <a:schemeClr val="bg1"/>
+                </a:solidFill>
+                <a:latin typeface="마루 부리 굵은" panose="020B0600000101010101" pitchFamily="50" charset="-127"/>
+                <a:ea typeface="마루 부리 굵은" panose="020B0600000101010101" pitchFamily="50" charset="-127"/>
+              </a:rPr>
+              <a:t>김홍도 “</a:t>
+            </a:r>
+            <a:r>
+              <a:rPr lang="ko-KR" altLang="en-US" sz="2400" dirty="0" err="1">
+                <a:solidFill>
+                  <a:schemeClr val="bg1"/>
+                </a:solidFill>
+                <a:latin typeface="마루 부리 굵은" panose="020B0600000101010101" pitchFamily="50" charset="-127"/>
+                <a:ea typeface="마루 부리 굵은" panose="020B0600000101010101" pitchFamily="50" charset="-127"/>
+              </a:rPr>
+              <a:t>무동</a:t>
+            </a:r>
+            <a:r>
+              <a:rPr lang="ko-KR" altLang="en-US" sz="2400" dirty="0">
+                <a:solidFill>
+                  <a:schemeClr val="bg1"/>
+                </a:solidFill>
+                <a:latin typeface="마루 부리 굵은" panose="020B0600000101010101" pitchFamily="50" charset="-127"/>
+                <a:ea typeface="마루 부리 굵은" panose="020B0600000101010101" pitchFamily="50" charset="-127"/>
+              </a:rPr>
+              <a:t>", 《단원 풍속도첩》</a:t>
+            </a:r>
+          </a:p>
+          <a:p>
+            <a:pPr algn="ctr">
+              <a:lnSpc>
+                <a:spcPct val="200000"/>
+              </a:lnSpc>
+            </a:pPr>
+            <a:endParaRPr lang="ko-KR" altLang="en-US" sz="2400" dirty="0">
+              <a:solidFill>
+                <a:schemeClr val="bg1"/>
+              </a:solidFill>
+              <a:latin typeface="마루 부리 굵은" panose="020B0600000101010101" pitchFamily="50" charset="-127"/>
+              <a:ea typeface="마루 부리 굵은" panose="020B0600000101010101" pitchFamily="50" charset="-127"/>
+            </a:endParaRPr>
+          </a:p>
+          <a:p>
+            <a:pPr algn="ctr">
+              <a:lnSpc>
+                <a:spcPct val="200000"/>
+              </a:lnSpc>
+            </a:pPr>
+            <a:r>
+              <a:rPr lang="ko-KR" altLang="en-US" sz="2400" dirty="0">
+                <a:solidFill>
+                  <a:schemeClr val="bg1"/>
+                </a:solidFill>
+                <a:latin typeface="마루 부리 굵은" panose="020B0600000101010101" pitchFamily="50" charset="-127"/>
+                <a:ea typeface="마루 부리 굵은" panose="020B0600000101010101" pitchFamily="50" charset="-127"/>
+              </a:rPr>
+              <a:t>북</a:t>
+            </a:r>
+            <a:r>
+              <a:rPr lang="en-US" altLang="ko-KR" sz="2400" dirty="0">
+                <a:solidFill>
+                  <a:schemeClr val="bg1"/>
+                </a:solidFill>
+                <a:latin typeface="마루 부리 굵은" panose="020B0600000101010101" pitchFamily="50" charset="-127"/>
+                <a:ea typeface="마루 부리 굵은" panose="020B0600000101010101" pitchFamily="50" charset="-127"/>
+              </a:rPr>
+              <a:t>, </a:t>
+            </a:r>
+            <a:r>
+              <a:rPr lang="ko-KR" altLang="en-US" sz="2400" dirty="0">
+                <a:solidFill>
+                  <a:schemeClr val="bg1"/>
+                </a:solidFill>
+                <a:latin typeface="마루 부리 굵은" panose="020B0600000101010101" pitchFamily="50" charset="-127"/>
+                <a:ea typeface="마루 부리 굵은" panose="020B0600000101010101" pitchFamily="50" charset="-127"/>
+              </a:rPr>
+              <a:t>장구</a:t>
+            </a:r>
+            <a:r>
+              <a:rPr lang="en-US" altLang="ko-KR" sz="2400" dirty="0">
+                <a:solidFill>
+                  <a:schemeClr val="bg1"/>
+                </a:solidFill>
+                <a:latin typeface="마루 부리 굵은" panose="020B0600000101010101" pitchFamily="50" charset="-127"/>
+                <a:ea typeface="마루 부리 굵은" panose="020B0600000101010101" pitchFamily="50" charset="-127"/>
+              </a:rPr>
+              <a:t>, </a:t>
+            </a:r>
+            <a:r>
+              <a:rPr lang="ko-KR" altLang="en-US" sz="2400" dirty="0">
+                <a:solidFill>
+                  <a:schemeClr val="bg1"/>
+                </a:solidFill>
+                <a:latin typeface="마루 부리 굵은" panose="020B0600000101010101" pitchFamily="50" charset="-127"/>
+                <a:ea typeface="마루 부리 굵은" panose="020B0600000101010101" pitchFamily="50" charset="-127"/>
+              </a:rPr>
+              <a:t>피리</a:t>
+            </a:r>
+            <a:r>
+              <a:rPr lang="en-US" altLang="ko-KR" sz="2400" dirty="0">
+                <a:solidFill>
+                  <a:schemeClr val="bg1"/>
+                </a:solidFill>
+                <a:latin typeface="마루 부리 굵은" panose="020B0600000101010101" pitchFamily="50" charset="-127"/>
+                <a:ea typeface="마루 부리 굵은" panose="020B0600000101010101" pitchFamily="50" charset="-127"/>
+              </a:rPr>
+              <a:t>, </a:t>
+            </a:r>
+            <a:r>
+              <a:rPr lang="ko-KR" altLang="en-US" sz="2400" dirty="0">
+                <a:solidFill>
+                  <a:schemeClr val="bg1"/>
+                </a:solidFill>
+                <a:latin typeface="마루 부리 굵은" panose="020B0600000101010101" pitchFamily="50" charset="-127"/>
+                <a:ea typeface="마루 부리 굵은" panose="020B0600000101010101" pitchFamily="50" charset="-127"/>
+              </a:rPr>
+              <a:t>대금</a:t>
+            </a:r>
+            <a:r>
+              <a:rPr lang="en-US" altLang="ko-KR" sz="2400" dirty="0">
+                <a:solidFill>
+                  <a:schemeClr val="bg1"/>
+                </a:solidFill>
+                <a:latin typeface="마루 부리 굵은" panose="020B0600000101010101" pitchFamily="50" charset="-127"/>
+                <a:ea typeface="마루 부리 굵은" panose="020B0600000101010101" pitchFamily="50" charset="-127"/>
+              </a:rPr>
+              <a:t>, </a:t>
+            </a:r>
+            <a:r>
+              <a:rPr lang="ko-KR" altLang="en-US" sz="2400" dirty="0">
+                <a:solidFill>
+                  <a:schemeClr val="bg1"/>
+                </a:solidFill>
+                <a:latin typeface="마루 부리 굵은" panose="020B0600000101010101" pitchFamily="50" charset="-127"/>
+                <a:ea typeface="마루 부리 굵은" panose="020B0600000101010101" pitchFamily="50" charset="-127"/>
+              </a:rPr>
+              <a:t>해금 연주자들이 둥그렇게 앉아 연주하는 가운데 </a:t>
+            </a:r>
+            <a:r>
+              <a:rPr lang="ko-KR" altLang="en-US" sz="2400" dirty="0" err="1">
+                <a:solidFill>
+                  <a:schemeClr val="bg1"/>
+                </a:solidFill>
+                <a:latin typeface="마루 부리 굵은" panose="020B0600000101010101" pitchFamily="50" charset="-127"/>
+                <a:ea typeface="마루 부리 굵은" panose="020B0600000101010101" pitchFamily="50" charset="-127"/>
+              </a:rPr>
+              <a:t>무동이</a:t>
+            </a:r>
+            <a:r>
+              <a:rPr lang="ko-KR" altLang="en-US" sz="2400" dirty="0">
+                <a:solidFill>
+                  <a:schemeClr val="bg1"/>
+                </a:solidFill>
+                <a:latin typeface="마루 부리 굵은" panose="020B0600000101010101" pitchFamily="50" charset="-127"/>
+                <a:ea typeface="마루 부리 굵은" panose="020B0600000101010101" pitchFamily="50" charset="-127"/>
+              </a:rPr>
+              <a:t> 두 팔을 신나게 </a:t>
+            </a:r>
+            <a:r>
+              <a:rPr lang="ko-KR" altLang="en-US" sz="2400" dirty="0" err="1">
+                <a:solidFill>
+                  <a:schemeClr val="bg1"/>
+                </a:solidFill>
+                <a:latin typeface="마루 부리 굵은" panose="020B0600000101010101" pitchFamily="50" charset="-127"/>
+                <a:ea typeface="마루 부리 굵은" panose="020B0600000101010101" pitchFamily="50" charset="-127"/>
+              </a:rPr>
+              <a:t>휘저으며</a:t>
+            </a:r>
+            <a:r>
+              <a:rPr lang="ko-KR" altLang="en-US" sz="2400" dirty="0">
+                <a:solidFill>
+                  <a:schemeClr val="bg1"/>
+                </a:solidFill>
+                <a:latin typeface="마루 부리 굵은" panose="020B0600000101010101" pitchFamily="50" charset="-127"/>
+                <a:ea typeface="마루 부리 굵은" panose="020B0600000101010101" pitchFamily="50" charset="-127"/>
+              </a:rPr>
+              <a:t> 춤을 추고 있다</a:t>
+            </a:r>
+            <a:r>
+              <a:rPr lang="en-US" altLang="ko-KR" sz="2400" dirty="0">
+                <a:solidFill>
+                  <a:schemeClr val="bg1"/>
+                </a:solidFill>
+                <a:latin typeface="마루 부리 굵은" panose="020B0600000101010101" pitchFamily="50" charset="-127"/>
+                <a:ea typeface="마루 부리 굵은" panose="020B0600000101010101" pitchFamily="50" charset="-127"/>
+              </a:rPr>
+              <a:t>. </a:t>
+            </a:r>
+            <a:r>
+              <a:rPr lang="ko-KR" altLang="en-US" sz="2400" dirty="0">
+                <a:solidFill>
+                  <a:schemeClr val="bg1"/>
+                </a:solidFill>
+                <a:latin typeface="마루 부리 굵은" panose="020B0600000101010101" pitchFamily="50" charset="-127"/>
+                <a:ea typeface="마루 부리 굵은" panose="020B0600000101010101" pitchFamily="50" charset="-127"/>
+              </a:rPr>
+              <a:t>인물들은 각자의 춤과 연주에 몰두하며</a:t>
+            </a:r>
+            <a:r>
+              <a:rPr lang="en-US" altLang="ko-KR" sz="2400" dirty="0">
+                <a:solidFill>
+                  <a:schemeClr val="bg1"/>
+                </a:solidFill>
+                <a:latin typeface="마루 부리 굵은" panose="020B0600000101010101" pitchFamily="50" charset="-127"/>
+                <a:ea typeface="마루 부리 굵은" panose="020B0600000101010101" pitchFamily="50" charset="-127"/>
+              </a:rPr>
+              <a:t>, </a:t>
+            </a:r>
+            <a:r>
+              <a:rPr lang="ko-KR" altLang="en-US" sz="2400" dirty="0">
+                <a:solidFill>
+                  <a:schemeClr val="bg1"/>
+                </a:solidFill>
+                <a:latin typeface="마루 부리 굵은" panose="020B0600000101010101" pitchFamily="50" charset="-127"/>
+                <a:ea typeface="마루 부리 굵은" panose="020B0600000101010101" pitchFamily="50" charset="-127"/>
+              </a:rPr>
+              <a:t>연주자나 </a:t>
+            </a:r>
+            <a:r>
+              <a:rPr lang="ko-KR" altLang="en-US" sz="2400" dirty="0" err="1">
+                <a:solidFill>
+                  <a:schemeClr val="bg1"/>
+                </a:solidFill>
+                <a:latin typeface="마루 부리 굵은" panose="020B0600000101010101" pitchFamily="50" charset="-127"/>
+                <a:ea typeface="마루 부리 굵은" panose="020B0600000101010101" pitchFamily="50" charset="-127"/>
+              </a:rPr>
+              <a:t>무동을</a:t>
+            </a:r>
+            <a:r>
+              <a:rPr lang="ko-KR" altLang="en-US" sz="2400" dirty="0">
+                <a:solidFill>
+                  <a:schemeClr val="bg1"/>
+                </a:solidFill>
+                <a:latin typeface="마루 부리 굵은" panose="020B0600000101010101" pitchFamily="50" charset="-127"/>
+                <a:ea typeface="마루 부리 굵은" panose="020B0600000101010101" pitchFamily="50" charset="-127"/>
+              </a:rPr>
+              <a:t> 주시하며 흥겨운 한 판을 벌이고 있다</a:t>
+            </a:r>
+            <a:r>
+              <a:rPr lang="en-US" altLang="ko-KR" sz="2400" dirty="0">
+                <a:solidFill>
+                  <a:schemeClr val="bg1"/>
+                </a:solidFill>
+                <a:latin typeface="마루 부리 굵은" panose="020B0600000101010101" pitchFamily="50" charset="-127"/>
+                <a:ea typeface="마루 부리 굵은" panose="020B0600000101010101" pitchFamily="50" charset="-127"/>
+              </a:rPr>
+              <a:t>.</a:t>
+            </a:r>
+            <a:endParaRPr lang="ko-KR" altLang="en-US" sz="2400" dirty="0">
+              <a:solidFill>
+                <a:schemeClr val="bg1"/>
+              </a:solidFill>
+              <a:latin typeface="마루 부리 굵은" panose="020B0600000101010101" pitchFamily="50" charset="-127"/>
+              <a:ea typeface="마루 부리 굵은" panose="020B0600000101010101" pitchFamily="50" charset="-127"/>
+            </a:endParaRPr>
+          </a:p>
+        </p:txBody>
+      </p:sp>
+    </p:spTree>
+    <p:extLst>
+      <p:ext uri="{BB962C8B-B14F-4D97-AF65-F5344CB8AC3E}">
+        <p14:creationId xmlns:p14="http://schemas.microsoft.com/office/powerpoint/2010/main" val="1943422508"/>
+      </p:ext>
+    </p:extLst>
+  </p:cSld>
+  <p:clrMapOvr>
+    <a:masterClrMapping/>
+  </p:clrMapOvr>
+</p:sld>
+</file>
+
+<file path=ppt/slides/slide7.xml><?xml version="1.0" encoding="utf-8"?>
+<p:sld xmlns:a="http://schemas.openxmlformats.org/drawingml/2006/main" xmlns:r="http://schemas.openxmlformats.org/officeDocument/2006/relationships" xmlns:p="http://schemas.openxmlformats.org/presentationml/2006/main">
+  <p:cSld>
+    <p:spTree>
+      <p:nvGrpSpPr>
+        <p:cNvPr id="1" name=""/>
+        <p:cNvGrpSpPr/>
+        <p:nvPr/>
+      </p:nvGrpSpPr>
+      <p:grpSpPr>
+        <a:xfrm>
+          <a:off x="0" y="0"/>
+          <a:ext cx="0" cy="0"/>
+          <a:chOff x="0" y="0"/>
+          <a:chExt cx="0" cy="0"/>
+        </a:xfrm>
+      </p:grpSpPr>
+      <p:grpSp>
+        <p:nvGrpSpPr>
+          <p:cNvPr id="15" name="그룹 14">
+            <a:extLst>
+              <a:ext uri="{FF2B5EF4-FFF2-40B4-BE49-F238E27FC236}">
+                <a16:creationId xmlns:a16="http://schemas.microsoft.com/office/drawing/2014/main" id="{917A703D-4180-D301-13B0-1731E3A2B711}"/>
+              </a:ext>
+            </a:extLst>
+          </p:cNvPr>
+          <p:cNvGrpSpPr/>
+          <p:nvPr/>
+        </p:nvGrpSpPr>
+        <p:grpSpPr>
+          <a:xfrm>
+            <a:off x="1890683" y="0"/>
+            <a:ext cx="7200000" cy="7200000"/>
+            <a:chOff x="1890683" y="0"/>
+            <a:chExt cx="7200000" cy="7200000"/>
+          </a:xfrm>
+        </p:grpSpPr>
+        <p:sp>
+          <p:nvSpPr>
+            <p:cNvPr id="8" name="사각형: 둥근 모서리 7">
+              <a:extLst>
+                <a:ext uri="{FF2B5EF4-FFF2-40B4-BE49-F238E27FC236}">
+                  <a16:creationId xmlns:a16="http://schemas.microsoft.com/office/drawing/2014/main" id="{5D1E9452-42C6-0D7C-6AB6-0D7F7198B1C9}"/>
+                </a:ext>
+              </a:extLst>
+            </p:cNvPr>
+            <p:cNvSpPr/>
+            <p:nvPr/>
+          </p:nvSpPr>
+          <p:spPr>
+            <a:xfrm>
+              <a:off x="1890683" y="0"/>
+              <a:ext cx="7200000" cy="7200000"/>
+            </a:xfrm>
+            <a:prstGeom prst="roundRect">
+              <a:avLst>
+                <a:gd name="adj" fmla="val 9596"/>
+              </a:avLst>
+            </a:prstGeom>
+            <a:solidFill>
+              <a:srgbClr val="132435"/>
+            </a:solidFill>
+            <a:ln>
+              <a:noFill/>
+            </a:ln>
+          </p:spPr>
+          <p:style>
+            <a:lnRef idx="2">
+              <a:schemeClr val="accent1">
+                <a:shade val="15000"/>
+              </a:schemeClr>
+            </a:lnRef>
+            <a:fillRef idx="1">
+              <a:schemeClr val="accent1"/>
+            </a:fillRef>
+            <a:effectRef idx="0">
+              <a:schemeClr val="accent1"/>
+            </a:effectRef>
+            <a:fontRef idx="minor">
+              <a:schemeClr val="lt1"/>
+            </a:fontRef>
+          </p:style>
+          <p:txBody>
+            <a:bodyPr rtlCol="0" anchor="ctr"/>
+            <a:lstStyle/>
+            <a:p>
+              <a:pPr algn="ctr"/>
+              <a:endParaRPr lang="ko-KR" altLang="en-US" dirty="0"/>
+            </a:p>
+          </p:txBody>
+        </p:sp>
+        <p:pic>
+          <p:nvPicPr>
+            <p:cNvPr id="11" name="그래픽 10" descr="닫기 단색으로 채워진">
+              <a:extLst>
+                <a:ext uri="{FF2B5EF4-FFF2-40B4-BE49-F238E27FC236}">
+                  <a16:creationId xmlns:a16="http://schemas.microsoft.com/office/drawing/2014/main" id="{DC1B211B-3B26-F24F-0093-F5E665EFB782}"/>
+                </a:ext>
+              </a:extLst>
+            </p:cNvPr>
+            <p:cNvPicPr>
+              <a:picLocks noChangeAspect="1"/>
+            </p:cNvPicPr>
+            <p:nvPr/>
+          </p:nvPicPr>
+          <p:blipFill>
+            <a:blip r:embed="rId2">
+              <a:extLst>
+                <a:ext uri="{96DAC541-7B7A-43D3-8B79-37D633B846F1}">
+                  <asvg:svgBlip xmlns:asvg="http://schemas.microsoft.com/office/drawing/2016/SVG/main" r:embed="rId3"/>
+                </a:ext>
+              </a:extLst>
+            </a:blip>
+            <a:stretch>
+              <a:fillRect/>
+            </a:stretch>
+          </p:blipFill>
+          <p:spPr>
+            <a:xfrm>
+              <a:off x="7925545" y="326938"/>
+              <a:ext cx="860104" cy="860104"/>
+            </a:xfrm>
+            <a:prstGeom prst="rect">
+              <a:avLst/>
+            </a:prstGeom>
+          </p:spPr>
+        </p:pic>
+      </p:grpSp>
+    </p:spTree>
+    <p:extLst>
+      <p:ext uri="{BB962C8B-B14F-4D97-AF65-F5344CB8AC3E}">
+        <p14:creationId xmlns:p14="http://schemas.microsoft.com/office/powerpoint/2010/main" val="4052123957"/>
       </p:ext>
     </p:extLst>
   </p:cSld>
